--- a/Capstone 3, Presentation.pptx
+++ b/Capstone 3, Presentation.pptx
@@ -130,6 +130,11 @@
       </a:defRPr>
     </a:lvl9pPr>
   </p:defaultTextStyle>
+  <p:extLst>
+    <p:ext uri="{EFAFB233-063F-42B5-8137-9DF3F51BA10A}">
+      <p15:sldGuideLst xmlns:p15="http://schemas.microsoft.com/office/powerpoint/2012/main"/>
+    </p:ext>
+  </p:extLst>
 </p:presentation>
 </file>
 
@@ -146,10 +151,25 @@
   <pc:docChgLst>
     <pc:chgData name="Daniel Pickett" userId="fbdb785d-5c91-4bd8-878b-5fab50e83730" providerId="ADAL" clId="{13EB0DAF-3A94-4346-8DE8-7B0EE28BD3BC}"/>
     <pc:docChg chg="undo redo custSel addSld delSld modSld">
-      <pc:chgData name="Daniel Pickett" userId="fbdb785d-5c91-4bd8-878b-5fab50e83730" providerId="ADAL" clId="{13EB0DAF-3A94-4346-8DE8-7B0EE28BD3BC}" dt="2023-04-17T21:55:11.264" v="20255" actId="20577"/>
+      <pc:chgData name="Daniel Pickett" userId="fbdb785d-5c91-4bd8-878b-5fab50e83730" providerId="ADAL" clId="{13EB0DAF-3A94-4346-8DE8-7B0EE28BD3BC}" dt="2023-04-19T02:31:03.084" v="20493" actId="20577"/>
       <pc:docMkLst>
         <pc:docMk/>
       </pc:docMkLst>
+      <pc:sldChg chg="modSp mod">
+        <pc:chgData name="Daniel Pickett" userId="fbdb785d-5c91-4bd8-878b-5fab50e83730" providerId="ADAL" clId="{13EB0DAF-3A94-4346-8DE8-7B0EE28BD3BC}" dt="2023-04-19T02:10:26.570" v="20257" actId="20577"/>
+        <pc:sldMkLst>
+          <pc:docMk/>
+          <pc:sldMk cId="1479830104" sldId="256"/>
+        </pc:sldMkLst>
+        <pc:spChg chg="mod">
+          <ac:chgData name="Daniel Pickett" userId="fbdb785d-5c91-4bd8-878b-5fab50e83730" providerId="ADAL" clId="{13EB0DAF-3A94-4346-8DE8-7B0EE28BD3BC}" dt="2023-04-19T02:10:26.570" v="20257" actId="20577"/>
+          <ac:spMkLst>
+            <pc:docMk/>
+            <pc:sldMk cId="1479830104" sldId="256"/>
+            <ac:spMk id="3" creationId="{73D78ABD-8C93-9136-C1B7-7AA47F43354B}"/>
+          </ac:spMkLst>
+        </pc:spChg>
+      </pc:sldChg>
       <pc:sldChg chg="modSp mod">
         <pc:chgData name="Daniel Pickett" userId="fbdb785d-5c91-4bd8-878b-5fab50e83730" providerId="ADAL" clId="{13EB0DAF-3A94-4346-8DE8-7B0EE28BD3BC}" dt="2023-04-03T23:17:27.669" v="3777" actId="114"/>
         <pc:sldMkLst>
@@ -1690,7 +1710,7 @@
         </pc:spChg>
       </pc:sldChg>
       <pc:sldChg chg="delSp modSp add mod">
-        <pc:chgData name="Daniel Pickett" userId="fbdb785d-5c91-4bd8-878b-5fab50e83730" providerId="ADAL" clId="{13EB0DAF-3A94-4346-8DE8-7B0EE28BD3BC}" dt="2023-04-10T21:31:39.936" v="19230" actId="20577"/>
+        <pc:chgData name="Daniel Pickett" userId="fbdb785d-5c91-4bd8-878b-5fab50e83730" providerId="ADAL" clId="{13EB0DAF-3A94-4346-8DE8-7B0EE28BD3BC}" dt="2023-04-19T02:31:03.084" v="20493" actId="20577"/>
         <pc:sldMkLst>
           <pc:docMk/>
           <pc:sldMk cId="4004720821" sldId="284"/>
@@ -1704,7 +1724,7 @@
           </ac:spMkLst>
         </pc:spChg>
         <pc:spChg chg="mod">
-          <ac:chgData name="Daniel Pickett" userId="fbdb785d-5c91-4bd8-878b-5fab50e83730" providerId="ADAL" clId="{13EB0DAF-3A94-4346-8DE8-7B0EE28BD3BC}" dt="2023-04-10T21:31:39.936" v="19230" actId="20577"/>
+          <ac:chgData name="Daniel Pickett" userId="fbdb785d-5c91-4bd8-878b-5fab50e83730" providerId="ADAL" clId="{13EB0DAF-3A94-4346-8DE8-7B0EE28BD3BC}" dt="2023-04-19T02:31:03.084" v="20493" actId="20577"/>
           <ac:spMkLst>
             <pc:docMk/>
             <pc:sldMk cId="4004720821" sldId="284"/>
@@ -1874,7 +1894,7 @@
           <a:p>
             <a:fld id="{C43A76A3-ADC8-4477-8FC1-B9DD55D84908}" type="datetime1">
               <a:rPr lang="en-US" smtClean="0"/>
-              <a:t>4/3/2023</a:t>
+              <a:t>4/18/2023</a:t>
             </a:fld>
             <a:endParaRPr lang="en-US" dirty="0"/>
           </a:p>
@@ -2072,7 +2092,7 @@
           <a:p>
             <a:fld id="{D6762538-DC4D-4667-96E5-B3278DDF8B12}" type="datetime1">
               <a:rPr lang="en-US" smtClean="0"/>
-              <a:t>4/3/2023</a:t>
+              <a:t>4/18/2023</a:t>
             </a:fld>
             <a:endParaRPr lang="en-US"/>
           </a:p>
@@ -2280,7 +2300,7 @@
           <a:p>
             <a:fld id="{05880548-5C08-4BE3-B63E-F2BB63B0B00C}" type="datetime1">
               <a:rPr lang="en-US" smtClean="0"/>
-              <a:t>4/3/2023</a:t>
+              <a:t>4/18/2023</a:t>
             </a:fld>
             <a:endParaRPr lang="en-US"/>
           </a:p>
@@ -2478,7 +2498,7 @@
           <a:p>
             <a:fld id="{DE7F49BE-398D-479A-8A7E-5DDBCA61EDCB}" type="datetime1">
               <a:rPr lang="en-US" smtClean="0"/>
-              <a:t>4/3/2023</a:t>
+              <a:t>4/18/2023</a:t>
             </a:fld>
             <a:endParaRPr lang="en-US"/>
           </a:p>
@@ -2754,7 +2774,7 @@
           <a:p>
             <a:fld id="{CCD0C193-4974-4A1F-9C63-07D595E30D66}" type="datetime1">
               <a:rPr lang="en-US" smtClean="0"/>
-              <a:t>4/3/2023</a:t>
+              <a:t>4/18/2023</a:t>
             </a:fld>
             <a:endParaRPr lang="en-US"/>
           </a:p>
@@ -3021,7 +3041,7 @@
           <a:p>
             <a:fld id="{701AA87F-28D4-4BF0-B81F-877A89DFD5AC}" type="datetime1">
               <a:rPr lang="en-US" smtClean="0"/>
-              <a:t>4/3/2023</a:t>
+              <a:t>4/18/2023</a:t>
             </a:fld>
             <a:endParaRPr lang="en-US"/>
           </a:p>
@@ -3435,7 +3455,7 @@
           <a:p>
             <a:fld id="{A8A9F1F3-208B-49A3-B337-9C8ACEB3E0E1}" type="datetime1">
               <a:rPr lang="en-US" smtClean="0"/>
-              <a:t>4/3/2023</a:t>
+              <a:t>4/18/2023</a:t>
             </a:fld>
             <a:endParaRPr lang="en-US"/>
           </a:p>
@@ -3582,7 +3602,7 @@
           <a:p>
             <a:fld id="{27AF6CA6-7293-4AA2-A0E0-A3BF4416E786}" type="datetime1">
               <a:rPr lang="en-US" smtClean="0"/>
-              <a:t>4/3/2023</a:t>
+              <a:t>4/18/2023</a:t>
             </a:fld>
             <a:endParaRPr lang="en-US"/>
           </a:p>
@@ -3695,7 +3715,7 @@
           <a:p>
             <a:fld id="{98D87016-7BCD-46FB-8EE3-AB6C369108B4}" type="datetime1">
               <a:rPr lang="en-US" smtClean="0"/>
-              <a:t>4/3/2023</a:t>
+              <a:t>4/18/2023</a:t>
             </a:fld>
             <a:endParaRPr lang="en-US"/>
           </a:p>
@@ -4014,7 +4034,7 @@
           <a:p>
             <a:fld id="{A1547011-1FFC-4EF8-9A2E-53B4AD2ADBD4}" type="datetime1">
               <a:rPr lang="en-US" smtClean="0"/>
-              <a:t>4/3/2023</a:t>
+              <a:t>4/18/2023</a:t>
             </a:fld>
             <a:endParaRPr lang="en-US"/>
           </a:p>
@@ -4309,7 +4329,7 @@
           <a:p>
             <a:fld id="{9562EB47-45B4-4EF5-A743-B4885DD2F060}" type="datetime1">
               <a:rPr lang="en-US" smtClean="0"/>
-              <a:t>4/3/2023</a:t>
+              <a:t>4/18/2023</a:t>
             </a:fld>
             <a:endParaRPr lang="en-US"/>
           </a:p>
@@ -5694,7 +5714,7 @@
           <a:p>
             <a:fld id="{4A8D24A4-5FEC-4062-8995-EB21925B3B40}" type="datetime1">
               <a:rPr lang="en-US" smtClean="0"/>
-              <a:t>4/3/2023</a:t>
+              <a:t>4/18/2023</a:t>
             </a:fld>
             <a:endParaRPr lang="en-US" sz="1000" dirty="0"/>
           </a:p>
@@ -7031,7 +7051,7 @@
                   <a:srgbClr val="FFFFFF"/>
                 </a:solidFill>
               </a:rPr>
-              <a:t>March 2022</a:t>
+              <a:t>March 2023</a:t>
             </a:r>
           </a:p>
         </p:txBody>
@@ -11377,8 +11397,8 @@
           </a:p>
         </p:txBody>
       </p:sp>
-      <mc:AlternateContent xmlns:mc="http://schemas.openxmlformats.org/markup-compatibility/2006">
-        <mc:Choice xmlns:a14="http://schemas.microsoft.com/office/drawing/2010/main" Requires="a14">
+      <mc:AlternateContent xmlns:mc="http://schemas.openxmlformats.org/markup-compatibility/2006" xmlns:a14="http://schemas.microsoft.com/office/drawing/2010/main">
+        <mc:Choice Requires="a14">
           <p:sp>
             <p:nvSpPr>
               <p:cNvPr id="3" name="Content Placeholder 2">
@@ -11815,7 +11835,7 @@
             </p:txBody>
           </p:sp>
         </mc:Choice>
-        <mc:Fallback>
+        <mc:Fallback xmlns="">
           <p:sp>
             <p:nvSpPr>
               <p:cNvPr id="3" name="Content Placeholder 2">
@@ -11859,8 +11879,8 @@
           </p:sp>
         </mc:Fallback>
       </mc:AlternateContent>
-      <mc:AlternateContent xmlns:mc="http://schemas.openxmlformats.org/markup-compatibility/2006">
-        <mc:Choice xmlns:a14="http://schemas.microsoft.com/office/drawing/2010/main" Requires="a14">
+      <mc:AlternateContent xmlns:mc="http://schemas.openxmlformats.org/markup-compatibility/2006" xmlns:a14="http://schemas.microsoft.com/office/drawing/2010/main">
+        <mc:Choice Requires="a14">
           <p:sp>
             <p:nvSpPr>
               <p:cNvPr id="5" name="TextBox 4">
@@ -11889,6 +11909,7 @@
               </a:bodyPr>
               <a:lstStyle/>
               <a:p>
+                <a:pPr/>
                 <a14:m>
                   <m:oMathPara xmlns:m="http://schemas.openxmlformats.org/officeDocument/2006/math">
                     <m:oMathParaPr>
@@ -11898,7 +11919,7 @@
                       <m:sSub>
                         <m:sSubPr>
                           <m:ctrlPr>
-                            <a:rPr lang="en-US" smtClean="0">
+                            <a:rPr lang="en-US" i="1" smtClean="0">
                               <a:solidFill>
                                 <a:srgbClr val="836967"/>
                               </a:solidFill>
@@ -12116,7 +12137,7 @@
             </p:txBody>
           </p:sp>
         </mc:Choice>
-        <mc:Fallback>
+        <mc:Fallback xmlns="">
           <p:sp>
             <p:nvSpPr>
               <p:cNvPr id="5" name="TextBox 4">
@@ -12161,8 +12182,8 @@
           </p:sp>
         </mc:Fallback>
       </mc:AlternateContent>
-      <mc:AlternateContent xmlns:mc="http://schemas.openxmlformats.org/markup-compatibility/2006">
-        <mc:Choice xmlns:a14="http://schemas.microsoft.com/office/drawing/2010/main" Requires="a14">
+      <mc:AlternateContent xmlns:mc="http://schemas.openxmlformats.org/markup-compatibility/2006" xmlns:a14="http://schemas.microsoft.com/office/drawing/2010/main">
+        <mc:Choice Requires="a14">
           <p:sp>
             <p:nvSpPr>
               <p:cNvPr id="6" name="TextBox 5">
@@ -12191,6 +12212,7 @@
               </a:bodyPr>
               <a:lstStyle/>
               <a:p>
+                <a:pPr/>
                 <a14:m>
                   <m:oMathPara xmlns:m="http://schemas.openxmlformats.org/officeDocument/2006/math">
                     <m:oMathParaPr>
@@ -12200,7 +12222,7 @@
                       <m:sSub>
                         <m:sSubPr>
                           <m:ctrlPr>
-                            <a:rPr lang="en-US" smtClean="0">
+                            <a:rPr lang="en-US" i="1" smtClean="0">
                               <a:solidFill>
                                 <a:srgbClr val="836967"/>
                               </a:solidFill>
@@ -12418,7 +12440,7 @@
             </p:txBody>
           </p:sp>
         </mc:Choice>
-        <mc:Fallback>
+        <mc:Fallback xmlns="">
           <p:sp>
             <p:nvSpPr>
               <p:cNvPr id="6" name="TextBox 5">
@@ -12463,8 +12485,8 @@
           </p:sp>
         </mc:Fallback>
       </mc:AlternateContent>
-      <mc:AlternateContent xmlns:mc="http://schemas.openxmlformats.org/markup-compatibility/2006">
-        <mc:Choice xmlns:a14="http://schemas.microsoft.com/office/drawing/2010/main" Requires="a14">
+      <mc:AlternateContent xmlns:mc="http://schemas.openxmlformats.org/markup-compatibility/2006" xmlns:a14="http://schemas.microsoft.com/office/drawing/2010/main">
+        <mc:Choice Requires="a14">
           <p:sp>
             <p:nvSpPr>
               <p:cNvPr id="7" name="TextBox 6">
@@ -12493,6 +12515,7 @@
               </a:bodyPr>
               <a:lstStyle/>
               <a:p>
+                <a:pPr/>
                 <a14:m>
                   <m:oMathPara xmlns:m="http://schemas.openxmlformats.org/officeDocument/2006/math">
                     <m:oMathParaPr>
@@ -12502,7 +12525,7 @@
                       <m:sSub>
                         <m:sSubPr>
                           <m:ctrlPr>
-                            <a:rPr lang="en-US" smtClean="0">
+                            <a:rPr lang="en-US" i="1" smtClean="0">
                               <a:solidFill>
                                 <a:srgbClr val="836967"/>
                               </a:solidFill>
@@ -12871,7 +12894,7 @@
             </p:txBody>
           </p:sp>
         </mc:Choice>
-        <mc:Fallback>
+        <mc:Fallback xmlns="">
           <p:sp>
             <p:nvSpPr>
               <p:cNvPr id="7" name="TextBox 6">
@@ -13174,8 +13197,8 @@
           </a:p>
         </p:txBody>
       </p:sp>
-      <mc:AlternateContent xmlns:mc="http://schemas.openxmlformats.org/markup-compatibility/2006">
-        <mc:Choice xmlns:a14="http://schemas.microsoft.com/office/drawing/2010/main" Requires="a14">
+      <mc:AlternateContent xmlns:mc="http://schemas.openxmlformats.org/markup-compatibility/2006" xmlns:a14="http://schemas.microsoft.com/office/drawing/2010/main">
+        <mc:Choice Requires="a14">
           <p:sp>
             <p:nvSpPr>
               <p:cNvPr id="4" name="TextBox 3">
@@ -13214,7 +13237,7 @@
                       <m:sSub>
                         <m:sSubPr>
                           <m:ctrlPr>
-                            <a:rPr lang="en-US" smtClean="0">
+                            <a:rPr lang="en-US" i="1" smtClean="0">
                               <a:solidFill>
                                 <a:srgbClr val="836967"/>
                               </a:solidFill>
@@ -13575,16 +13598,7 @@
                               </a:solidFill>
                               <a:latin typeface="Cambria Math" panose="02040503050406030204" pitchFamily="18" charset="0"/>
                             </a:rPr>
-                            <m:t>−</m:t>
-                          </m:r>
-                          <m:r>
-                            <a:rPr lang="en-US" b="0" i="1" dirty="0" smtClean="0">
-                              <a:solidFill>
-                                <a:schemeClr val="tx1"/>
-                              </a:solidFill>
-                              <a:latin typeface="Cambria Math" panose="02040503050406030204" pitchFamily="18" charset="0"/>
-                            </a:rPr>
-                            <m:t>1</m:t>
+                            <m:t>−1</m:t>
                           </m:r>
                         </m:sub>
                         <m:sup>
@@ -13816,7 +13830,7 @@
             </p:txBody>
           </p:sp>
         </mc:Choice>
-        <mc:Fallback>
+        <mc:Fallback xmlns="">
           <p:sp>
             <p:nvSpPr>
               <p:cNvPr id="4" name="TextBox 3">
@@ -13861,8 +13875,8 @@
           </p:sp>
         </mc:Fallback>
       </mc:AlternateContent>
-      <mc:AlternateContent xmlns:mc="http://schemas.openxmlformats.org/markup-compatibility/2006">
-        <mc:Choice xmlns:a14="http://schemas.microsoft.com/office/drawing/2010/main" Requires="a14">
+      <mc:AlternateContent xmlns:mc="http://schemas.openxmlformats.org/markup-compatibility/2006" xmlns:a14="http://schemas.microsoft.com/office/drawing/2010/main">
+        <mc:Choice Requires="a14">
           <p:sp>
             <p:nvSpPr>
               <p:cNvPr id="9" name="TextBox 8">
@@ -14496,7 +14510,7 @@
             </p:txBody>
           </p:sp>
         </mc:Choice>
-        <mc:Fallback>
+        <mc:Fallback xmlns="">
           <p:sp>
             <p:nvSpPr>
               <p:cNvPr id="9" name="TextBox 8">
@@ -16481,6 +16495,50 @@
               </a:rPr>
               <a:t>Focus analysis more on a subcategory of the lines (by mode, population range, etc.)</a:t>
             </a:r>
+          </a:p>
+          <a:p>
+            <a:r>
+              <a:rPr lang="en-US" dirty="0">
+                <a:solidFill>
+                  <a:schemeClr val="tx1"/>
+                </a:solidFill>
+                <a:latin typeface="Avenir Next LT Pro" panose="020B0504020202020204" pitchFamily="34" charset="0"/>
+              </a:rPr>
+              <a:t>We had a high percentage of success among lines </a:t>
+            </a:r>
+            <a:r>
+              <a:rPr lang="en-US" i="1" dirty="0">
+                <a:solidFill>
+                  <a:schemeClr val="tx1"/>
+                </a:solidFill>
+                <a:latin typeface="Avenir Next LT Pro" panose="020B0504020202020204" pitchFamily="34" charset="0"/>
+              </a:rPr>
+              <a:t>already determined to be likely to succeed</a:t>
+            </a:r>
+            <a:r>
+              <a:rPr lang="en-US" dirty="0">
+                <a:solidFill>
+                  <a:schemeClr val="tx1"/>
+                </a:solidFill>
+                <a:latin typeface="Avenir Next LT Pro" panose="020B0504020202020204" pitchFamily="34" charset="0"/>
+              </a:rPr>
+              <a:t> – consider analyzing more lines in the original data for a more accurate </a:t>
+            </a:r>
+            <a:r>
+              <a:rPr lang="en-US">
+                <a:solidFill>
+                  <a:schemeClr val="tx1"/>
+                </a:solidFill>
+                <a:latin typeface="Avenir Next LT Pro" panose="020B0504020202020204" pitchFamily="34" charset="0"/>
+              </a:rPr>
+              <a:t>overall picture</a:t>
+            </a:r>
+            <a:endParaRPr lang="en-US" dirty="0">
+              <a:solidFill>
+                <a:schemeClr val="tx1"/>
+              </a:solidFill>
+              <a:latin typeface="Avenir Next LT Pro" panose="020B0504020202020204" pitchFamily="34" charset="0"/>
+            </a:endParaRPr>
           </a:p>
         </p:txBody>
       </p:sp>
